--- a/Equipo 4+1.pptx
+++ b/Equipo 4+1.pptx
@@ -367,7 +367,7 @@
             <a:fld id="{B61BEF0D-F0BB-DE4B-95CE-6DB70DBA9567}" type="datetimeFigureOut">
               <a:rPr lang="en-US" dirty="0"/>
               <a:pPr/>
-              <a:t>11/30/2022</a:t>
+              <a:t>3/1/2023</a:t>
             </a:fld>
             <a:endParaRPr lang="en-US" dirty="0"/>
           </a:p>
@@ -626,7 +626,7 @@
             <a:fld id="{B61BEF0D-F0BB-DE4B-95CE-6DB70DBA9567}" type="datetimeFigureOut">
               <a:rPr lang="en-US" dirty="0"/>
               <a:pPr/>
-              <a:t>11/30/2022</a:t>
+              <a:t>3/1/2023</a:t>
             </a:fld>
             <a:endParaRPr lang="en-US" dirty="0"/>
           </a:p>
@@ -858,7 +858,7 @@
             <a:fld id="{B61BEF0D-F0BB-DE4B-95CE-6DB70DBA9567}" type="datetimeFigureOut">
               <a:rPr lang="en-US" dirty="0"/>
               <a:pPr/>
-              <a:t>11/30/2022</a:t>
+              <a:t>3/1/2023</a:t>
             </a:fld>
             <a:endParaRPr lang="en-US" dirty="0"/>
           </a:p>
@@ -1095,7 +1095,7 @@
             <a:fld id="{B61BEF0D-F0BB-DE4B-95CE-6DB70DBA9567}" type="datetimeFigureOut">
               <a:rPr lang="en-US" dirty="0"/>
               <a:pPr/>
-              <a:t>11/30/2022</a:t>
+              <a:t>3/1/2023</a:t>
             </a:fld>
             <a:endParaRPr lang="en-US" dirty="0"/>
           </a:p>
@@ -1399,7 +1399,7 @@
             <a:fld id="{B61BEF0D-F0BB-DE4B-95CE-6DB70DBA9567}" type="datetimeFigureOut">
               <a:rPr lang="en-US" dirty="0"/>
               <a:pPr/>
-              <a:t>11/30/2022</a:t>
+              <a:t>3/1/2023</a:t>
             </a:fld>
             <a:endParaRPr lang="en-US" dirty="0"/>
           </a:p>
@@ -1698,7 +1698,7 @@
             <a:fld id="{B61BEF0D-F0BB-DE4B-95CE-6DB70DBA9567}" type="datetimeFigureOut">
               <a:rPr lang="en-US" dirty="0"/>
               <a:pPr/>
-              <a:t>11/30/2022</a:t>
+              <a:t>3/1/2023</a:t>
             </a:fld>
             <a:endParaRPr lang="en-US" dirty="0"/>
           </a:p>
@@ -2117,7 +2117,7 @@
             <a:fld id="{B61BEF0D-F0BB-DE4B-95CE-6DB70DBA9567}" type="datetimeFigureOut">
               <a:rPr lang="en-US" dirty="0"/>
               <a:pPr/>
-              <a:t>11/30/2022</a:t>
+              <a:t>3/1/2023</a:t>
             </a:fld>
             <a:endParaRPr lang="en-US" dirty="0"/>
           </a:p>
@@ -2276,7 +2276,7 @@
             <a:fld id="{B61BEF0D-F0BB-DE4B-95CE-6DB70DBA9567}" type="datetimeFigureOut">
               <a:rPr lang="en-US" dirty="0"/>
               <a:pPr/>
-              <a:t>11/30/2022</a:t>
+              <a:t>3/1/2023</a:t>
             </a:fld>
             <a:endParaRPr lang="en-US" dirty="0"/>
           </a:p>
@@ -2368,7 +2368,7 @@
             <a:fld id="{B61BEF0D-F0BB-DE4B-95CE-6DB70DBA9567}" type="datetimeFigureOut">
               <a:rPr lang="en-US" dirty="0"/>
               <a:pPr/>
-              <a:t>11/30/2022</a:t>
+              <a:t>3/1/2023</a:t>
             </a:fld>
             <a:endParaRPr lang="en-US" dirty="0"/>
           </a:p>
@@ -2743,7 +2743,7 @@
             <a:fld id="{B61BEF0D-F0BB-DE4B-95CE-6DB70DBA9567}" type="datetimeFigureOut">
               <a:rPr lang="en-US" dirty="0"/>
               <a:pPr/>
-              <a:t>11/30/2022</a:t>
+              <a:t>3/1/2023</a:t>
             </a:fld>
             <a:endParaRPr lang="en-US" dirty="0"/>
           </a:p>
@@ -3029,7 +3029,7 @@
             <a:fld id="{B61BEF0D-F0BB-DE4B-95CE-6DB70DBA9567}" type="datetimeFigureOut">
               <a:rPr lang="en-US" dirty="0"/>
               <a:pPr/>
-              <a:t>11/30/2022</a:t>
+              <a:t>3/1/2023</a:t>
             </a:fld>
             <a:endParaRPr lang="en-US" dirty="0"/>
           </a:p>
@@ -3237,7 +3237,7 @@
             <a:fld id="{B61BEF0D-F0BB-DE4B-95CE-6DB70DBA9567}" type="datetimeFigureOut">
               <a:rPr lang="en-US" dirty="0"/>
               <a:pPr/>
-              <a:t>11/30/2022</a:t>
+              <a:t>3/1/2023</a:t>
             </a:fld>
             <a:endParaRPr lang="en-US" dirty="0"/>
           </a:p>
@@ -4902,9 +4902,10 @@
           <a:lstStyle/>
           <a:p>
             <a:r>
-              <a:rPr lang="es-ES" dirty="0"/>
-              <a:t>https://github.com/Chicago-Melimpio/alumnosProfes</a:t>
-            </a:r>
+              <a:rPr lang="es-ES"/>
+              <a:t>https://github.com/rodapie/TrabajoFCT</a:t>
+            </a:r>
+            <a:endParaRPr lang="es-ES" dirty="0"/>
           </a:p>
         </p:txBody>
       </p:sp>
